--- a/my-styles.pptx
+++ b/my-styles.pptx
@@ -10,6 +10,7 @@
     <p:sldId id="258" r:id="rId4"/>
     <p:sldId id="259" r:id="rId5"/>
     <p:sldId id="260" r:id="rId6"/>
+    <p:sldId id="261" r:id="rId7"/>
   </p:sldIdLst>
   <p:sldSz cx="9144000" cy="6858000" type="screen4x3"/>
   <p:notesSz cx="6858000" cy="9144000"/>
@@ -169,7 +170,7 @@
           </a:lstStyle>
           <a:p>
             <a:r>
-              <a:rPr lang="de-DE"/>
+              <a:rPr lang="de-DE" dirty="0"/>
               <a:t>Mastertitelformat bearbeiten</a:t>
             </a:r>
             <a:endParaRPr lang="en-US" dirty="0"/>
@@ -234,7 +235,7 @@
           </a:lstStyle>
           <a:p>
             <a:r>
-              <a:rPr lang="de-DE"/>
+              <a:rPr lang="de-DE" dirty="0"/>
               <a:t>Master-Untertitelformat bearbeiten</a:t>
             </a:r>
             <a:endParaRPr lang="en-US" dirty="0"/>
@@ -389,7 +390,7 @@
           <a:p>
             <a:fld id="{241EB5C9-1307-BA42-ABA2-0BC069CD8E7F}" type="datetimeFigureOut">
               <a:rPr lang="en-US" smtClean="0"/>
-              <a:t>12/17/18</a:t>
+              <a:t>1/9/19</a:t>
             </a:fld>
             <a:endParaRPr lang="en-US"/>
           </a:p>
@@ -553,7 +554,7 @@
           <a:p>
             <a:fld id="{241EB5C9-1307-BA42-ABA2-0BC069CD8E7F}" type="datetimeFigureOut">
               <a:rPr lang="en-US" smtClean="0"/>
-              <a:t>12/17/18</a:t>
+              <a:t>1/9/19</a:t>
             </a:fld>
             <a:endParaRPr lang="en-US"/>
           </a:p>
@@ -996,7 +997,7 @@
           <a:lstStyle/>
           <a:p>
             <a:r>
-              <a:rPr lang="de-DE"/>
+              <a:rPr lang="de-DE" dirty="0"/>
               <a:t>Mastertitelformat bearbeiten</a:t>
             </a:r>
             <a:endParaRPr lang="en-US" dirty="0"/>
@@ -1400,7 +1401,7 @@
           <a:p>
             <a:fld id="{241EB5C9-1307-BA42-ABA2-0BC069CD8E7F}" type="datetimeFigureOut">
               <a:rPr lang="en-US" smtClean="0"/>
-              <a:t>12/17/18</a:t>
+              <a:t>1/9/19</a:t>
             </a:fld>
             <a:endParaRPr lang="en-US"/>
           </a:p>
@@ -1833,7 +1834,7 @@
           <a:p>
             <a:fld id="{241EB5C9-1307-BA42-ABA2-0BC069CD8E7F}" type="datetimeFigureOut">
               <a:rPr lang="en-US" smtClean="0"/>
-              <a:t>12/17/18</a:t>
+              <a:t>1/9/19</a:t>
             </a:fld>
             <a:endParaRPr lang="en-US"/>
           </a:p>
@@ -2103,7 +2104,7 @@
           <a:p>
             <a:fld id="{241EB5C9-1307-BA42-ABA2-0BC069CD8E7F}" type="datetimeFigureOut">
               <a:rPr lang="en-US" smtClean="0"/>
-              <a:t>12/17/18</a:t>
+              <a:t>1/9/19</a:t>
             </a:fld>
             <a:endParaRPr lang="en-US"/>
           </a:p>
@@ -2370,7 +2371,7 @@
           <a:solidFill>
             <a:schemeClr val="tx1"/>
           </a:solidFill>
-          <a:latin typeface="ScalaSans-Regular" panose="02010504040101020104" pitchFamily="2" charset="77"/>
+          <a:latin typeface="Gill Sans MT" panose="020B0502020104020203" pitchFamily="34" charset="77"/>
           <a:ea typeface="+mj-ea"/>
           <a:cs typeface="+mj-cs"/>
         </a:defRPr>
@@ -2390,7 +2391,7 @@
           <a:solidFill>
             <a:schemeClr val="tx1"/>
           </a:solidFill>
-          <a:latin typeface="ScalaSans-Regular" panose="02010504040101020104" pitchFamily="2" charset="77"/>
+          <a:latin typeface="Gill Sans MT" panose="020B0502020104020203" pitchFamily="34" charset="77"/>
           <a:ea typeface="+mn-ea"/>
           <a:cs typeface="+mn-cs"/>
         </a:defRPr>
@@ -3096,6 +3097,247 @@
         </p:spPr>
       </p:pic>
     </p:spTree>
+  </p:cSld>
+  <p:clrMapOvr>
+    <a:masterClrMapping/>
+  </p:clrMapOvr>
+</p:sld>
+</file>
+
+<file path=ppt/slides/slide6.xml><?xml version="1.0" encoding="utf-8"?>
+<p:sld xmlns:a="http://schemas.openxmlformats.org/drawingml/2006/main" xmlns:r="http://schemas.openxmlformats.org/officeDocument/2006/relationships" xmlns:p="http://schemas.openxmlformats.org/presentationml/2006/main">
+  <p:cSld>
+    <p:spTree>
+      <p:nvGrpSpPr>
+        <p:cNvPr id="1" name=""/>
+        <p:cNvGrpSpPr/>
+        <p:nvPr/>
+      </p:nvGrpSpPr>
+      <p:grpSpPr>
+        <a:xfrm>
+          <a:off x="0" y="0"/>
+          <a:ext cx="0" cy="0"/>
+          <a:chOff x="0" y="0"/>
+          <a:chExt cx="0" cy="0"/>
+        </a:xfrm>
+      </p:grpSpPr>
+      <p:sp>
+        <p:nvSpPr>
+          <p:cNvPr id="2" name="Titel 1">
+            <a:extLst>
+              <a:ext uri="{FF2B5EF4-FFF2-40B4-BE49-F238E27FC236}">
+                <a16:creationId xmlns:a16="http://schemas.microsoft.com/office/drawing/2014/main" id="{19BFC13C-B68B-8F40-ACAA-4BDFAD1BC04C}"/>
+              </a:ext>
+            </a:extLst>
+          </p:cNvPr>
+          <p:cNvSpPr>
+            <a:spLocks noGrp="1"/>
+          </p:cNvSpPr>
+          <p:nvPr>
+            <p:ph type="title"/>
+          </p:nvPr>
+        </p:nvSpPr>
+        <p:spPr/>
+        <p:txBody>
+          <a:bodyPr/>
+          <a:lstStyle/>
+          <a:p>
+            <a:endParaRPr lang="de-DE"/>
+          </a:p>
+        </p:txBody>
+      </p:sp>
+      <p:graphicFrame>
+        <p:nvGraphicFramePr>
+          <p:cNvPr id="4" name="Inhaltsplatzhalter 3">
+            <a:extLst>
+              <a:ext uri="{FF2B5EF4-FFF2-40B4-BE49-F238E27FC236}">
+                <a16:creationId xmlns:a16="http://schemas.microsoft.com/office/drawing/2014/main" id="{E932D463-CC8F-984B-BED3-6C68E503D070}"/>
+              </a:ext>
+            </a:extLst>
+          </p:cNvPr>
+          <p:cNvGraphicFramePr>
+            <a:graphicFrameLocks noGrp="1"/>
+          </p:cNvGraphicFramePr>
+          <p:nvPr>
+            <p:ph idx="1"/>
+            <p:extLst>
+              <p:ext uri="{D42A27DB-BD31-4B8C-83A1-F6EECF244321}">
+                <p14:modId xmlns:p14="http://schemas.microsoft.com/office/powerpoint/2010/main" val="1837681129"/>
+              </p:ext>
+            </p:extLst>
+          </p:nvPr>
+        </p:nvGraphicFramePr>
+        <p:xfrm>
+          <a:off x="628650" y="1825625"/>
+          <a:ext cx="7886700" cy="741680"/>
+        </p:xfrm>
+        <a:graphic>
+          <a:graphicData uri="http://schemas.openxmlformats.org/drawingml/2006/table">
+            <a:tbl>
+              <a:tblPr firstRow="1" bandRow="1">
+                <a:tableStyleId>{073A0DAA-6AF3-43AB-8588-CEC1D06C72B9}</a:tableStyleId>
+              </a:tblPr>
+              <a:tblGrid>
+                <a:gridCol w="1577340">
+                  <a:extLst>
+                    <a:ext uri="{9D8B030D-6E8A-4147-A177-3AD203B41FA5}">
+                      <a16:colId xmlns:a16="http://schemas.microsoft.com/office/drawing/2014/main" val="1395762266"/>
+                    </a:ext>
+                  </a:extLst>
+                </a:gridCol>
+                <a:gridCol w="1577340">
+                  <a:extLst>
+                    <a:ext uri="{9D8B030D-6E8A-4147-A177-3AD203B41FA5}">
+                      <a16:colId xmlns:a16="http://schemas.microsoft.com/office/drawing/2014/main" val="795826442"/>
+                    </a:ext>
+                  </a:extLst>
+                </a:gridCol>
+                <a:gridCol w="1577340">
+                  <a:extLst>
+                    <a:ext uri="{9D8B030D-6E8A-4147-A177-3AD203B41FA5}">
+                      <a16:colId xmlns:a16="http://schemas.microsoft.com/office/drawing/2014/main" val="1096663639"/>
+                    </a:ext>
+                  </a:extLst>
+                </a:gridCol>
+                <a:gridCol w="1577340">
+                  <a:extLst>
+                    <a:ext uri="{9D8B030D-6E8A-4147-A177-3AD203B41FA5}">
+                      <a16:colId xmlns:a16="http://schemas.microsoft.com/office/drawing/2014/main" val="4164003804"/>
+                    </a:ext>
+                  </a:extLst>
+                </a:gridCol>
+                <a:gridCol w="1577340">
+                  <a:extLst>
+                    <a:ext uri="{9D8B030D-6E8A-4147-A177-3AD203B41FA5}">
+                      <a16:colId xmlns:a16="http://schemas.microsoft.com/office/drawing/2014/main" val="1861126465"/>
+                    </a:ext>
+                  </a:extLst>
+                </a:gridCol>
+              </a:tblGrid>
+              <a:tr h="370840">
+                <a:tc>
+                  <a:txBody>
+                    <a:bodyPr/>
+                    <a:lstStyle/>
+                    <a:p>
+                      <a:endParaRPr lang="de-DE" dirty="0"/>
+                    </a:p>
+                  </a:txBody>
+                  <a:tcPr/>
+                </a:tc>
+                <a:tc>
+                  <a:txBody>
+                    <a:bodyPr/>
+                    <a:lstStyle/>
+                    <a:p>
+                      <a:endParaRPr lang="de-DE"/>
+                    </a:p>
+                  </a:txBody>
+                  <a:tcPr/>
+                </a:tc>
+                <a:tc>
+                  <a:txBody>
+                    <a:bodyPr/>
+                    <a:lstStyle/>
+                    <a:p>
+                      <a:endParaRPr lang="de-DE"/>
+                    </a:p>
+                  </a:txBody>
+                  <a:tcPr/>
+                </a:tc>
+                <a:tc>
+                  <a:txBody>
+                    <a:bodyPr/>
+                    <a:lstStyle/>
+                    <a:p>
+                      <a:endParaRPr lang="de-DE"/>
+                    </a:p>
+                  </a:txBody>
+                  <a:tcPr/>
+                </a:tc>
+                <a:tc>
+                  <a:txBody>
+                    <a:bodyPr/>
+                    <a:lstStyle/>
+                    <a:p>
+                      <a:endParaRPr lang="de-DE"/>
+                    </a:p>
+                  </a:txBody>
+                  <a:tcPr/>
+                </a:tc>
+                <a:extLst>
+                  <a:ext uri="{0D108BD9-81ED-4DB2-BD59-A6C34878D82A}">
+                    <a16:rowId xmlns:a16="http://schemas.microsoft.com/office/drawing/2014/main" val="3889703207"/>
+                  </a:ext>
+                </a:extLst>
+              </a:tr>
+              <a:tr h="370840">
+                <a:tc>
+                  <a:txBody>
+                    <a:bodyPr/>
+                    <a:lstStyle/>
+                    <a:p>
+                      <a:endParaRPr lang="de-DE"/>
+                    </a:p>
+                  </a:txBody>
+                  <a:tcPr/>
+                </a:tc>
+                <a:tc>
+                  <a:txBody>
+                    <a:bodyPr/>
+                    <a:lstStyle/>
+                    <a:p>
+                      <a:endParaRPr lang="de-DE"/>
+                    </a:p>
+                  </a:txBody>
+                  <a:tcPr/>
+                </a:tc>
+                <a:tc>
+                  <a:txBody>
+                    <a:bodyPr/>
+                    <a:lstStyle/>
+                    <a:p>
+                      <a:endParaRPr lang="de-DE"/>
+                    </a:p>
+                  </a:txBody>
+                  <a:tcPr/>
+                </a:tc>
+                <a:tc>
+                  <a:txBody>
+                    <a:bodyPr/>
+                    <a:lstStyle/>
+                    <a:p>
+                      <a:endParaRPr lang="de-DE"/>
+                    </a:p>
+                  </a:txBody>
+                  <a:tcPr/>
+                </a:tc>
+                <a:tc>
+                  <a:txBody>
+                    <a:bodyPr/>
+                    <a:lstStyle/>
+                    <a:p>
+                      <a:endParaRPr lang="de-DE"/>
+                    </a:p>
+                  </a:txBody>
+                  <a:tcPr/>
+                </a:tc>
+                <a:extLst>
+                  <a:ext uri="{0D108BD9-81ED-4DB2-BD59-A6C34878D82A}">
+                    <a16:rowId xmlns:a16="http://schemas.microsoft.com/office/drawing/2014/main" val="4092801306"/>
+                  </a:ext>
+                </a:extLst>
+              </a:tr>
+            </a:tbl>
+          </a:graphicData>
+        </a:graphic>
+      </p:graphicFrame>
+    </p:spTree>
+    <p:extLst>
+      <p:ext uri="{BB962C8B-B14F-4D97-AF65-F5344CB8AC3E}">
+        <p14:creationId xmlns:p14="http://schemas.microsoft.com/office/powerpoint/2010/main" val="3928841058"/>
+      </p:ext>
+    </p:extLst>
   </p:cSld>
   <p:clrMapOvr>
     <a:masterClrMapping/>
